--- a/docs/Mapa do site ToLIBRAS.pptx
+++ b/docs/Mapa do site ToLIBRAS.pptx
@@ -115,13 +115,229 @@
 <file path=ppt/revisionInfo.xml><?xml version="1.0" encoding="utf-8"?>
 <p1510:revInfo xmlns:a="http://schemas.openxmlformats.org/drawingml/2006/main" xmlns:r="http://schemas.openxmlformats.org/officeDocument/2006/relationships" xmlns:p1510="http://schemas.microsoft.com/office/powerpoint/2015/10/main">
   <p1510:revLst>
-    <p1510:client id="{31276607-C51C-4F88-87B8-016595BCCCE3}" v="9" dt="2020-05-27T07:43:51.374"/>
+    <p1510:client id="{49062901-E505-4D86-A0FB-43BA9AE17108}" v="1" dt="2020-07-10T17:56:35.675"/>
   </p1510:revLst>
 </p1510:revInfo>
 </file>
 
 <file path=ppt/changesInfos/changesInfo1.xml><?xml version="1.0" encoding="utf-8"?>
 <pc:chgInfo xmlns:a="http://schemas.openxmlformats.org/drawingml/2006/main" xmlns:r="http://schemas.openxmlformats.org/officeDocument/2006/relationships" xmlns:ac="http://schemas.microsoft.com/office/drawing/2013/main/command" xmlns:pc="http://schemas.microsoft.com/office/powerpoint/2013/main/command">
+  <pc:docChgLst>
+    <pc:chgData name="Christian Cauã Batista da Silva" userId="9d5c70c2-dbba-4512-89d1-f23aca0d4600" providerId="ADAL" clId="{49062901-E505-4D86-A0FB-43BA9AE17108}"/>
+    <pc:docChg chg="undo custSel modSld">
+      <pc:chgData name="Christian Cauã Batista da Silva" userId="9d5c70c2-dbba-4512-89d1-f23aca0d4600" providerId="ADAL" clId="{49062901-E505-4D86-A0FB-43BA9AE17108}" dt="2020-07-10T17:59:40.504" v="37" actId="14100"/>
+      <pc:docMkLst>
+        <pc:docMk/>
+      </pc:docMkLst>
+      <pc:sldChg chg="addSp delSp modSp mod">
+        <pc:chgData name="Christian Cauã Batista da Silva" userId="9d5c70c2-dbba-4512-89d1-f23aca0d4600" providerId="ADAL" clId="{49062901-E505-4D86-A0FB-43BA9AE17108}" dt="2020-07-10T17:59:40.504" v="37" actId="14100"/>
+        <pc:sldMkLst>
+          <pc:docMk/>
+          <pc:sldMk cId="1913553377" sldId="258"/>
+        </pc:sldMkLst>
+        <pc:spChg chg="mod">
+          <ac:chgData name="Christian Cauã Batista da Silva" userId="9d5c70c2-dbba-4512-89d1-f23aca0d4600" providerId="ADAL" clId="{49062901-E505-4D86-A0FB-43BA9AE17108}" dt="2020-07-10T17:58:43.951" v="24" actId="1076"/>
+          <ac:spMkLst>
+            <pc:docMk/>
+            <pc:sldMk cId="1913553377" sldId="258"/>
+            <ac:spMk id="26" creationId="{62F1D997-66D4-4346-8DFE-A2C1C43F73F3}"/>
+          </ac:spMkLst>
+        </pc:spChg>
+        <pc:spChg chg="mod">
+          <ac:chgData name="Christian Cauã Batista da Silva" userId="9d5c70c2-dbba-4512-89d1-f23aca0d4600" providerId="ADAL" clId="{49062901-E505-4D86-A0FB-43BA9AE17108}" dt="2020-07-10T17:58:43.951" v="24" actId="1076"/>
+          <ac:spMkLst>
+            <pc:docMk/>
+            <pc:sldMk cId="1913553377" sldId="258"/>
+            <ac:spMk id="28" creationId="{04F5CBA4-0144-4824-9C54-7DB97A146986}"/>
+          </ac:spMkLst>
+        </pc:spChg>
+        <pc:spChg chg="mod">
+          <ac:chgData name="Christian Cauã Batista da Silva" userId="9d5c70c2-dbba-4512-89d1-f23aca0d4600" providerId="ADAL" clId="{49062901-E505-4D86-A0FB-43BA9AE17108}" dt="2020-07-10T17:58:43.951" v="24" actId="1076"/>
+          <ac:spMkLst>
+            <pc:docMk/>
+            <pc:sldMk cId="1913553377" sldId="258"/>
+            <ac:spMk id="30" creationId="{05CA470E-C733-4A05-A43B-B1C56938C233}"/>
+          </ac:spMkLst>
+        </pc:spChg>
+        <pc:spChg chg="del">
+          <ac:chgData name="Christian Cauã Batista da Silva" userId="9d5c70c2-dbba-4512-89d1-f23aca0d4600" providerId="ADAL" clId="{49062901-E505-4D86-A0FB-43BA9AE17108}" dt="2020-07-10T17:55:46.313" v="0" actId="478"/>
+          <ac:spMkLst>
+            <pc:docMk/>
+            <pc:sldMk cId="1913553377" sldId="258"/>
+            <ac:spMk id="32" creationId="{A0255F1B-1D9C-4388-8C92-7E717421D8D3}"/>
+          </ac:spMkLst>
+        </pc:spChg>
+        <pc:spChg chg="mod">
+          <ac:chgData name="Christian Cauã Batista da Silva" userId="9d5c70c2-dbba-4512-89d1-f23aca0d4600" providerId="ADAL" clId="{49062901-E505-4D86-A0FB-43BA9AE17108}" dt="2020-07-10T17:58:43.951" v="24" actId="1076"/>
+          <ac:spMkLst>
+            <pc:docMk/>
+            <pc:sldMk cId="1913553377" sldId="258"/>
+            <ac:spMk id="34" creationId="{41878462-6C0E-4081-A2B5-A81D1612EE28}"/>
+          </ac:spMkLst>
+        </pc:spChg>
+        <pc:spChg chg="mod">
+          <ac:chgData name="Christian Cauã Batista da Silva" userId="9d5c70c2-dbba-4512-89d1-f23aca0d4600" providerId="ADAL" clId="{49062901-E505-4D86-A0FB-43BA9AE17108}" dt="2020-07-10T17:59:03.374" v="30" actId="1076"/>
+          <ac:spMkLst>
+            <pc:docMk/>
+            <pc:sldMk cId="1913553377" sldId="258"/>
+            <ac:spMk id="49" creationId="{D24457A9-AD2E-4DD0-95AC-C67D47CC92F8}"/>
+          </ac:spMkLst>
+        </pc:spChg>
+        <pc:spChg chg="del mod">
+          <ac:chgData name="Christian Cauã Batista da Silva" userId="9d5c70c2-dbba-4512-89d1-f23aca0d4600" providerId="ADAL" clId="{49062901-E505-4D86-A0FB-43BA9AE17108}" dt="2020-07-10T17:58:52.640" v="25" actId="478"/>
+          <ac:spMkLst>
+            <pc:docMk/>
+            <pc:sldMk cId="1913553377" sldId="258"/>
+            <ac:spMk id="50" creationId="{1C0EFFCD-80D5-4CB3-A12D-CEAD1B9E6CB3}"/>
+          </ac:spMkLst>
+        </pc:spChg>
+        <pc:spChg chg="del mod">
+          <ac:chgData name="Christian Cauã Batista da Silva" userId="9d5c70c2-dbba-4512-89d1-f23aca0d4600" providerId="ADAL" clId="{49062901-E505-4D86-A0FB-43BA9AE17108}" dt="2020-07-10T17:59:37.553" v="36" actId="478"/>
+          <ac:spMkLst>
+            <pc:docMk/>
+            <pc:sldMk cId="1913553377" sldId="258"/>
+            <ac:spMk id="52" creationId="{07AEB259-4372-4641-BC34-0433A693FFCD}"/>
+          </ac:spMkLst>
+        </pc:spChg>
+        <pc:spChg chg="del">
+          <ac:chgData name="Christian Cauã Batista da Silva" userId="9d5c70c2-dbba-4512-89d1-f23aca0d4600" providerId="ADAL" clId="{49062901-E505-4D86-A0FB-43BA9AE17108}" dt="2020-07-10T17:56:05.052" v="2" actId="478"/>
+          <ac:spMkLst>
+            <pc:docMk/>
+            <pc:sldMk cId="1913553377" sldId="258"/>
+            <ac:spMk id="59" creationId="{CD6C06CF-D233-42F4-A3EE-7911D5C972BB}"/>
+          </ac:spMkLst>
+        </pc:spChg>
+        <pc:spChg chg="del">
+          <ac:chgData name="Christian Cauã Batista da Silva" userId="9d5c70c2-dbba-4512-89d1-f23aca0d4600" providerId="ADAL" clId="{49062901-E505-4D86-A0FB-43BA9AE17108}" dt="2020-07-10T17:56:07.742" v="3" actId="478"/>
+          <ac:spMkLst>
+            <pc:docMk/>
+            <pc:sldMk cId="1913553377" sldId="258"/>
+            <ac:spMk id="60" creationId="{5C49428B-F702-44DB-91E4-EBA813A6D8E5}"/>
+          </ac:spMkLst>
+        </pc:spChg>
+        <pc:spChg chg="mod">
+          <ac:chgData name="Christian Cauã Batista da Silva" userId="9d5c70c2-dbba-4512-89d1-f23aca0d4600" providerId="ADAL" clId="{49062901-E505-4D86-A0FB-43BA9AE17108}" dt="2020-07-10T17:58:43.951" v="24" actId="1076"/>
+          <ac:spMkLst>
+            <pc:docMk/>
+            <pc:sldMk cId="1913553377" sldId="258"/>
+            <ac:spMk id="85" creationId="{88909B5C-A0F4-425F-AF55-D6C0EDD59281}"/>
+          </ac:spMkLst>
+        </pc:spChg>
+        <pc:cxnChg chg="add mod">
+          <ac:chgData name="Christian Cauã Batista da Silva" userId="9d5c70c2-dbba-4512-89d1-f23aca0d4600" providerId="ADAL" clId="{49062901-E505-4D86-A0FB-43BA9AE17108}" dt="2020-07-10T17:59:40.504" v="37" actId="14100"/>
+          <ac:cxnSpMkLst>
+            <pc:docMk/>
+            <pc:sldMk cId="1913553377" sldId="258"/>
+            <ac:cxnSpMk id="27" creationId="{910E937A-4CEA-4014-BE2E-3AED793D587A}"/>
+          </ac:cxnSpMkLst>
+        </pc:cxnChg>
+        <pc:cxnChg chg="mod">
+          <ac:chgData name="Christian Cauã Batista da Silva" userId="9d5c70c2-dbba-4512-89d1-f23aca0d4600" providerId="ADAL" clId="{49062901-E505-4D86-A0FB-43BA9AE17108}" dt="2020-07-10T17:58:43.951" v="24" actId="1076"/>
+          <ac:cxnSpMkLst>
+            <pc:docMk/>
+            <pc:sldMk cId="1913553377" sldId="258"/>
+            <ac:cxnSpMk id="37" creationId="{5DBB50A7-E159-4021-A9D5-0B15190DB8B2}"/>
+          </ac:cxnSpMkLst>
+        </pc:cxnChg>
+        <pc:cxnChg chg="mod">
+          <ac:chgData name="Christian Cauã Batista da Silva" userId="9d5c70c2-dbba-4512-89d1-f23aca0d4600" providerId="ADAL" clId="{49062901-E505-4D86-A0FB-43BA9AE17108}" dt="2020-07-10T17:58:43.951" v="24" actId="1076"/>
+          <ac:cxnSpMkLst>
+            <pc:docMk/>
+            <pc:sldMk cId="1913553377" sldId="258"/>
+            <ac:cxnSpMk id="39" creationId="{1CC97155-8474-403B-B4DB-9EAA0216AB7F}"/>
+          </ac:cxnSpMkLst>
+        </pc:cxnChg>
+        <pc:cxnChg chg="mod">
+          <ac:chgData name="Christian Cauã Batista da Silva" userId="9d5c70c2-dbba-4512-89d1-f23aca0d4600" providerId="ADAL" clId="{49062901-E505-4D86-A0FB-43BA9AE17108}" dt="2020-07-10T17:58:43.951" v="24" actId="1076"/>
+          <ac:cxnSpMkLst>
+            <pc:docMk/>
+            <pc:sldMk cId="1913553377" sldId="258"/>
+            <ac:cxnSpMk id="40" creationId="{9E1EBA74-5EE3-43E4-A55D-4B71EE916FA9}"/>
+          </ac:cxnSpMkLst>
+        </pc:cxnChg>
+        <pc:cxnChg chg="mod">
+          <ac:chgData name="Christian Cauã Batista da Silva" userId="9d5c70c2-dbba-4512-89d1-f23aca0d4600" providerId="ADAL" clId="{49062901-E505-4D86-A0FB-43BA9AE17108}" dt="2020-07-10T17:58:43.951" v="24" actId="1076"/>
+          <ac:cxnSpMkLst>
+            <pc:docMk/>
+            <pc:sldMk cId="1913553377" sldId="258"/>
+            <ac:cxnSpMk id="43" creationId="{A132F4F4-C49D-4CA1-A9CB-2C4C61F60733}"/>
+          </ac:cxnSpMkLst>
+        </pc:cxnChg>
+        <pc:cxnChg chg="mod">
+          <ac:chgData name="Christian Cauã Batista da Silva" userId="9d5c70c2-dbba-4512-89d1-f23aca0d4600" providerId="ADAL" clId="{49062901-E505-4D86-A0FB-43BA9AE17108}" dt="2020-07-10T17:58:43.951" v="24" actId="1076"/>
+          <ac:cxnSpMkLst>
+            <pc:docMk/>
+            <pc:sldMk cId="1913553377" sldId="258"/>
+            <ac:cxnSpMk id="45" creationId="{98DACD81-6692-433B-9D64-07AE5C7F9FCB}"/>
+          </ac:cxnSpMkLst>
+        </pc:cxnChg>
+        <pc:cxnChg chg="del mod">
+          <ac:chgData name="Christian Cauã Batista da Silva" userId="9d5c70c2-dbba-4512-89d1-f23aca0d4600" providerId="ADAL" clId="{49062901-E505-4D86-A0FB-43BA9AE17108}" dt="2020-07-10T17:55:49.116" v="1" actId="478"/>
+          <ac:cxnSpMkLst>
+            <pc:docMk/>
+            <pc:sldMk cId="1913553377" sldId="258"/>
+            <ac:cxnSpMk id="46" creationId="{C862C686-FC58-4DC8-9B5F-FC0A4934C5BE}"/>
+          </ac:cxnSpMkLst>
+        </pc:cxnChg>
+        <pc:cxnChg chg="mod">
+          <ac:chgData name="Christian Cauã Batista da Silva" userId="9d5c70c2-dbba-4512-89d1-f23aca0d4600" providerId="ADAL" clId="{49062901-E505-4D86-A0FB-43BA9AE17108}" dt="2020-07-10T17:58:43.951" v="24" actId="1076"/>
+          <ac:cxnSpMkLst>
+            <pc:docMk/>
+            <pc:sldMk cId="1913553377" sldId="258"/>
+            <ac:cxnSpMk id="47" creationId="{027C165E-E842-41F1-A4DE-9FFA8A45B8F4}"/>
+          </ac:cxnSpMkLst>
+        </pc:cxnChg>
+        <pc:cxnChg chg="mod">
+          <ac:chgData name="Christian Cauã Batista da Silva" userId="9d5c70c2-dbba-4512-89d1-f23aca0d4600" providerId="ADAL" clId="{49062901-E505-4D86-A0FB-43BA9AE17108}" dt="2020-07-10T17:59:18" v="32" actId="14100"/>
+          <ac:cxnSpMkLst>
+            <pc:docMk/>
+            <pc:sldMk cId="1913553377" sldId="258"/>
+            <ac:cxnSpMk id="48" creationId="{476A7E7B-9B2B-4D0B-BF6D-4A0E90A39914}"/>
+          </ac:cxnSpMkLst>
+        </pc:cxnChg>
+        <pc:cxnChg chg="del mod">
+          <ac:chgData name="Christian Cauã Batista da Silva" userId="9d5c70c2-dbba-4512-89d1-f23aca0d4600" providerId="ADAL" clId="{49062901-E505-4D86-A0FB-43BA9AE17108}" dt="2020-07-10T17:58:55.247" v="28" actId="478"/>
+          <ac:cxnSpMkLst>
+            <pc:docMk/>
+            <pc:sldMk cId="1913553377" sldId="258"/>
+            <ac:cxnSpMk id="51" creationId="{ED6FCD91-99A6-4D90-8DC7-58B18D54BFB2}"/>
+          </ac:cxnSpMkLst>
+        </pc:cxnChg>
+        <pc:cxnChg chg="del mod">
+          <ac:chgData name="Christian Cauã Batista da Silva" userId="9d5c70c2-dbba-4512-89d1-f23aca0d4600" providerId="ADAL" clId="{49062901-E505-4D86-A0FB-43BA9AE17108}" dt="2020-07-10T17:58:53.532" v="26" actId="478"/>
+          <ac:cxnSpMkLst>
+            <pc:docMk/>
+            <pc:sldMk cId="1913553377" sldId="258"/>
+            <ac:cxnSpMk id="54" creationId="{4C123408-AD2D-4CE6-8649-95EEDAE8A6A1}"/>
+          </ac:cxnSpMkLst>
+        </pc:cxnChg>
+        <pc:cxnChg chg="del mod">
+          <ac:chgData name="Christian Cauã Batista da Silva" userId="9d5c70c2-dbba-4512-89d1-f23aca0d4600" providerId="ADAL" clId="{49062901-E505-4D86-A0FB-43BA9AE17108}" dt="2020-07-10T17:59:37.553" v="36" actId="478"/>
+          <ac:cxnSpMkLst>
+            <pc:docMk/>
+            <pc:sldMk cId="1913553377" sldId="258"/>
+            <ac:cxnSpMk id="55" creationId="{ADFE41EE-D853-4273-9A53-7A1B7DA68734}"/>
+          </ac:cxnSpMkLst>
+        </pc:cxnChg>
+        <pc:cxnChg chg="del mod">
+          <ac:chgData name="Christian Cauã Batista da Silva" userId="9d5c70c2-dbba-4512-89d1-f23aca0d4600" providerId="ADAL" clId="{49062901-E505-4D86-A0FB-43BA9AE17108}" dt="2020-07-10T17:58:54.314" v="27" actId="478"/>
+          <ac:cxnSpMkLst>
+            <pc:docMk/>
+            <pc:sldMk cId="1913553377" sldId="258"/>
+            <ac:cxnSpMk id="58" creationId="{6AC3BF49-058B-4210-B472-C887D674A783}"/>
+          </ac:cxnSpMkLst>
+        </pc:cxnChg>
+        <pc:cxnChg chg="mod">
+          <ac:chgData name="Christian Cauã Batista da Silva" userId="9d5c70c2-dbba-4512-89d1-f23aca0d4600" providerId="ADAL" clId="{49062901-E505-4D86-A0FB-43BA9AE17108}" dt="2020-07-10T17:58:43.951" v="24" actId="1076"/>
+          <ac:cxnSpMkLst>
+            <pc:docMk/>
+            <pc:sldMk cId="1913553377" sldId="258"/>
+            <ac:cxnSpMk id="87" creationId="{515555EC-5930-44C1-A655-59FAC7577837}"/>
+          </ac:cxnSpMkLst>
+        </pc:cxnChg>
+      </pc:sldChg>
+    </pc:docChg>
+  </pc:docChgLst>
   <pc:docChgLst>
     <pc:chgData name="Christian Cauã Batista da Silva" userId="9d5c70c2-dbba-4512-89d1-f23aca0d4600" providerId="ADAL" clId="{31276607-C51C-4F88-87B8-016595BCCCE3}"/>
     <pc:docChg chg="undo custSel modSld">
@@ -680,7 +896,7 @@
           <a:p>
             <a:fld id="{5A029607-6FF4-49E6-8F89-6935FF5FEB87}" type="datetimeFigureOut">
               <a:rPr lang="pt-BR" smtClean="0"/>
-              <a:t>27/05/2020</a:t>
+              <a:t>10/07/2020</a:t>
             </a:fld>
             <a:endParaRPr lang="pt-BR"/>
           </a:p>
@@ -878,7 +1094,7 @@
           <a:p>
             <a:fld id="{5A029607-6FF4-49E6-8F89-6935FF5FEB87}" type="datetimeFigureOut">
               <a:rPr lang="pt-BR" smtClean="0"/>
-              <a:t>27/05/2020</a:t>
+              <a:t>10/07/2020</a:t>
             </a:fld>
             <a:endParaRPr lang="pt-BR"/>
           </a:p>
@@ -1086,7 +1302,7 @@
           <a:p>
             <a:fld id="{5A029607-6FF4-49E6-8F89-6935FF5FEB87}" type="datetimeFigureOut">
               <a:rPr lang="pt-BR" smtClean="0"/>
-              <a:t>27/05/2020</a:t>
+              <a:t>10/07/2020</a:t>
             </a:fld>
             <a:endParaRPr lang="pt-BR"/>
           </a:p>
@@ -1284,7 +1500,7 @@
           <a:p>
             <a:fld id="{5A029607-6FF4-49E6-8F89-6935FF5FEB87}" type="datetimeFigureOut">
               <a:rPr lang="pt-BR" smtClean="0"/>
-              <a:t>27/05/2020</a:t>
+              <a:t>10/07/2020</a:t>
             </a:fld>
             <a:endParaRPr lang="pt-BR"/>
           </a:p>
@@ -1559,7 +1775,7 @@
           <a:p>
             <a:fld id="{5A029607-6FF4-49E6-8F89-6935FF5FEB87}" type="datetimeFigureOut">
               <a:rPr lang="pt-BR" smtClean="0"/>
-              <a:t>27/05/2020</a:t>
+              <a:t>10/07/2020</a:t>
             </a:fld>
             <a:endParaRPr lang="pt-BR"/>
           </a:p>
@@ -1824,7 +2040,7 @@
           <a:p>
             <a:fld id="{5A029607-6FF4-49E6-8F89-6935FF5FEB87}" type="datetimeFigureOut">
               <a:rPr lang="pt-BR" smtClean="0"/>
-              <a:t>27/05/2020</a:t>
+              <a:t>10/07/2020</a:t>
             </a:fld>
             <a:endParaRPr lang="pt-BR"/>
           </a:p>
@@ -2236,7 +2452,7 @@
           <a:p>
             <a:fld id="{5A029607-6FF4-49E6-8F89-6935FF5FEB87}" type="datetimeFigureOut">
               <a:rPr lang="pt-BR" smtClean="0"/>
-              <a:t>27/05/2020</a:t>
+              <a:t>10/07/2020</a:t>
             </a:fld>
             <a:endParaRPr lang="pt-BR"/>
           </a:p>
@@ -2377,7 +2593,7 @@
           <a:p>
             <a:fld id="{5A029607-6FF4-49E6-8F89-6935FF5FEB87}" type="datetimeFigureOut">
               <a:rPr lang="pt-BR" smtClean="0"/>
-              <a:t>27/05/2020</a:t>
+              <a:t>10/07/2020</a:t>
             </a:fld>
             <a:endParaRPr lang="pt-BR"/>
           </a:p>
@@ -2490,7 +2706,7 @@
           <a:p>
             <a:fld id="{5A029607-6FF4-49E6-8F89-6935FF5FEB87}" type="datetimeFigureOut">
               <a:rPr lang="pt-BR" smtClean="0"/>
-              <a:t>27/05/2020</a:t>
+              <a:t>10/07/2020</a:t>
             </a:fld>
             <a:endParaRPr lang="pt-BR"/>
           </a:p>
@@ -2801,7 +3017,7 @@
           <a:p>
             <a:fld id="{5A029607-6FF4-49E6-8F89-6935FF5FEB87}" type="datetimeFigureOut">
               <a:rPr lang="pt-BR" smtClean="0"/>
-              <a:t>27/05/2020</a:t>
+              <a:t>10/07/2020</a:t>
             </a:fld>
             <a:endParaRPr lang="pt-BR"/>
           </a:p>
@@ -3089,7 +3305,7 @@
           <a:p>
             <a:fld id="{5A029607-6FF4-49E6-8F89-6935FF5FEB87}" type="datetimeFigureOut">
               <a:rPr lang="pt-BR" smtClean="0"/>
-              <a:t>27/05/2020</a:t>
+              <a:t>10/07/2020</a:t>
             </a:fld>
             <a:endParaRPr lang="pt-BR"/>
           </a:p>
@@ -3330,7 +3546,7 @@
           <a:p>
             <a:fld id="{5A029607-6FF4-49E6-8F89-6935FF5FEB87}" type="datetimeFigureOut">
               <a:rPr lang="pt-BR" smtClean="0"/>
-              <a:t>27/05/2020</a:t>
+              <a:t>10/07/2020</a:t>
             </a:fld>
             <a:endParaRPr lang="pt-BR"/>
           </a:p>
@@ -3761,7 +3977,7 @@
         </p:nvSpPr>
         <p:spPr>
           <a:xfrm>
-            <a:off x="5334000" y="993911"/>
+            <a:off x="3156857" y="935854"/>
             <a:ext cx="1593850" cy="572329"/>
           </a:xfrm>
           <a:prstGeom prst="rect">
@@ -3825,7 +4041,7 @@
         </p:nvSpPr>
         <p:spPr>
           <a:xfrm>
-            <a:off x="1311966" y="2782955"/>
+            <a:off x="461978" y="2724898"/>
             <a:ext cx="1221684" cy="572329"/>
           </a:xfrm>
           <a:prstGeom prst="rect">
@@ -3874,7 +4090,7 @@
         </p:nvSpPr>
         <p:spPr>
           <a:xfrm>
-            <a:off x="3385838" y="2782955"/>
+            <a:off x="2535850" y="2724898"/>
             <a:ext cx="925303" cy="572329"/>
           </a:xfrm>
           <a:prstGeom prst="rect">
@@ -3911,10 +4127,10 @@
       </p:sp>
       <p:sp>
         <p:nvSpPr>
-          <p:cNvPr id="32" name="Retângulo 31">
-            <a:extLst>
-              <a:ext uri="{FF2B5EF4-FFF2-40B4-BE49-F238E27FC236}">
-                <a16:creationId xmlns:a16="http://schemas.microsoft.com/office/drawing/2014/main" id="{A0255F1B-1D9C-4388-8C92-7E717421D8D3}"/>
+          <p:cNvPr id="34" name="Retângulo 33">
+            <a:extLst>
+              <a:ext uri="{FF2B5EF4-FFF2-40B4-BE49-F238E27FC236}">
+                <a16:creationId xmlns:a16="http://schemas.microsoft.com/office/drawing/2014/main" id="{41878462-6C0E-4081-A2B5-A81D1612EE28}"/>
               </a:ext>
             </a:extLst>
           </p:cNvPr>
@@ -3923,64 +4139,7 @@
         </p:nvSpPr>
         <p:spPr>
           <a:xfrm>
-            <a:off x="5099908" y="2782955"/>
-            <a:ext cx="959014" cy="572329"/>
-          </a:xfrm>
-          <a:prstGeom prst="rect">
-            <a:avLst/>
-          </a:prstGeom>
-          <a:solidFill>
-            <a:srgbClr val="FF0000"/>
-          </a:solidFill>
-          <a:ln>
-            <a:solidFill>
-              <a:srgbClr val="FF0000"/>
-            </a:solidFill>
-          </a:ln>
-        </p:spPr>
-        <p:style>
-          <a:lnRef idx="2">
-            <a:schemeClr val="accent1">
-              <a:shade val="50000"/>
-            </a:schemeClr>
-          </a:lnRef>
-          <a:fillRef idx="1">
-            <a:schemeClr val="accent1"/>
-          </a:fillRef>
-          <a:effectRef idx="0">
-            <a:schemeClr val="accent1"/>
-          </a:effectRef>
-          <a:fontRef idx="minor">
-            <a:schemeClr val="lt1"/>
-          </a:fontRef>
-        </p:style>
-        <p:txBody>
-          <a:bodyPr rtlCol="0" anchor="ctr"/>
-          <a:lstStyle/>
-          <a:p>
-            <a:pPr algn="ctr"/>
-            <a:r>
-              <a:rPr lang="pt-BR" dirty="0"/>
-              <a:t>História</a:t>
-            </a:r>
-          </a:p>
-        </p:txBody>
-      </p:sp>
-      <p:sp>
-        <p:nvSpPr>
-          <p:cNvPr id="34" name="Retângulo 33">
-            <a:extLst>
-              <a:ext uri="{FF2B5EF4-FFF2-40B4-BE49-F238E27FC236}">
-                <a16:creationId xmlns:a16="http://schemas.microsoft.com/office/drawing/2014/main" id="{41878462-6C0E-4081-A2B5-A81D1612EE28}"/>
-              </a:ext>
-            </a:extLst>
-          </p:cNvPr>
-          <p:cNvSpPr/>
-          <p:nvPr/>
-        </p:nvSpPr>
-        <p:spPr>
-          <a:xfrm>
-            <a:off x="8866254" y="2782955"/>
+            <a:off x="6689111" y="2724898"/>
             <a:ext cx="773045" cy="572329"/>
           </a:xfrm>
           <a:prstGeom prst="rect">
@@ -4032,7 +4191,7 @@
         </p:nvCxnSpPr>
         <p:spPr>
           <a:xfrm>
-            <a:off x="6130925" y="1566240"/>
+            <a:off x="3953782" y="1508183"/>
             <a:ext cx="1" cy="858906"/>
           </a:xfrm>
           <a:prstGeom prst="line">
@@ -4071,7 +4230,7 @@
         </p:nvCxnSpPr>
         <p:spPr>
           <a:xfrm flipV="1">
-            <a:off x="1922808" y="2425147"/>
+            <a:off x="1072820" y="2367090"/>
             <a:ext cx="1" cy="357808"/>
           </a:xfrm>
           <a:prstGeom prst="line">
@@ -4109,7 +4268,7 @@
         </p:nvCxnSpPr>
         <p:spPr>
           <a:xfrm flipH="1">
-            <a:off x="1922808" y="2425147"/>
+            <a:off x="1072820" y="2367090"/>
             <a:ext cx="4305712" cy="0"/>
           </a:xfrm>
           <a:prstGeom prst="line">
@@ -4148,7 +4307,7 @@
         </p:nvCxnSpPr>
         <p:spPr>
           <a:xfrm flipV="1">
-            <a:off x="3848490" y="2425147"/>
+            <a:off x="2998502" y="2367090"/>
             <a:ext cx="0" cy="357808"/>
           </a:xfrm>
           <a:prstGeom prst="line">
@@ -4186,7 +4345,7 @@
         </p:nvCxnSpPr>
         <p:spPr>
           <a:xfrm>
-            <a:off x="6228520" y="2425147"/>
+            <a:off x="4051377" y="2367090"/>
             <a:ext cx="3024257" cy="0"/>
           </a:xfrm>
           <a:prstGeom prst="line">
@@ -4210,45 +4369,6 @@
       </p:cxnSp>
       <p:cxnSp>
         <p:nvCxnSpPr>
-          <p:cNvPr id="46" name="Conector reto 45">
-            <a:extLst>
-              <a:ext uri="{FF2B5EF4-FFF2-40B4-BE49-F238E27FC236}">
-                <a16:creationId xmlns:a16="http://schemas.microsoft.com/office/drawing/2014/main" id="{C862C686-FC58-4DC8-9B5F-FC0A4934C5BE}"/>
-              </a:ext>
-            </a:extLst>
-          </p:cNvPr>
-          <p:cNvCxnSpPr>
-            <a:cxnSpLocks/>
-            <a:stCxn id="32" idx="0"/>
-          </p:cNvCxnSpPr>
-          <p:nvPr/>
-        </p:nvCxnSpPr>
-        <p:spPr>
-          <a:xfrm flipV="1">
-            <a:off x="5579415" y="2425146"/>
-            <a:ext cx="0" cy="357809"/>
-          </a:xfrm>
-          <a:prstGeom prst="line">
-            <a:avLst/>
-          </a:prstGeom>
-        </p:spPr>
-        <p:style>
-          <a:lnRef idx="1">
-            <a:schemeClr val="accent1"/>
-          </a:lnRef>
-          <a:fillRef idx="0">
-            <a:schemeClr val="accent1"/>
-          </a:fillRef>
-          <a:effectRef idx="0">
-            <a:schemeClr val="accent1"/>
-          </a:effectRef>
-          <a:fontRef idx="minor">
-            <a:schemeClr val="tx1"/>
-          </a:fontRef>
-        </p:style>
-      </p:cxnSp>
-      <p:cxnSp>
-        <p:nvCxnSpPr>
           <p:cNvPr id="47" name="Conector reto 46">
             <a:extLst>
               <a:ext uri="{FF2B5EF4-FFF2-40B4-BE49-F238E27FC236}">
@@ -4264,7 +4384,7 @@
         </p:nvCxnSpPr>
         <p:spPr>
           <a:xfrm flipV="1">
-            <a:off x="9252777" y="2425146"/>
+            <a:off x="7075634" y="2367089"/>
             <a:ext cx="0" cy="357809"/>
           </a:xfrm>
           <a:prstGeom prst="line">
@@ -4297,15 +4417,14 @@
           </p:cNvPr>
           <p:cNvCxnSpPr>
             <a:cxnSpLocks/>
-            <a:stCxn id="34" idx="2"/>
             <a:endCxn id="49" idx="0"/>
           </p:cNvCxnSpPr>
           <p:nvPr/>
         </p:nvCxnSpPr>
         <p:spPr>
           <a:xfrm>
-            <a:off x="9252777" y="3355284"/>
-            <a:ext cx="0" cy="641651"/>
+            <a:off x="8539291" y="2367089"/>
+            <a:ext cx="0" cy="357808"/>
           </a:xfrm>
           <a:prstGeom prst="line">
             <a:avLst/>
@@ -4340,7 +4459,7 @@
         </p:nvSpPr>
         <p:spPr>
           <a:xfrm>
-            <a:off x="8496140" y="3996935"/>
+            <a:off x="7782654" y="2724897"/>
             <a:ext cx="1513273" cy="572329"/>
           </a:xfrm>
           <a:prstGeom prst="rect">
@@ -4377,10 +4496,10 @@
       </p:sp>
       <p:sp>
         <p:nvSpPr>
-          <p:cNvPr id="50" name="Retângulo 49">
-            <a:extLst>
-              <a:ext uri="{FF2B5EF4-FFF2-40B4-BE49-F238E27FC236}">
-                <a16:creationId xmlns:a16="http://schemas.microsoft.com/office/drawing/2014/main" id="{1C0EFFCD-80D5-4CB3-A12D-CEAD1B9E6CB3}"/>
+          <p:cNvPr id="85" name="Retângulo 84">
+            <a:extLst>
+              <a:ext uri="{FF2B5EF4-FFF2-40B4-BE49-F238E27FC236}">
+                <a16:creationId xmlns:a16="http://schemas.microsoft.com/office/drawing/2014/main" id="{88909B5C-A0F4-425F-AF55-D6C0EDD59281}"/>
               </a:ext>
             </a:extLst>
           </p:cNvPr>
@@ -4389,349 +4508,7 @@
         </p:nvSpPr>
         <p:spPr>
           <a:xfrm>
-            <a:off x="7524750" y="5387537"/>
-            <a:ext cx="1354207" cy="572329"/>
-          </a:xfrm>
-          <a:prstGeom prst="rect">
-            <a:avLst/>
-          </a:prstGeom>
-        </p:spPr>
-        <p:style>
-          <a:lnRef idx="2">
-            <a:schemeClr val="accent1">
-              <a:shade val="50000"/>
-            </a:schemeClr>
-          </a:lnRef>
-          <a:fillRef idx="1">
-            <a:schemeClr val="accent1"/>
-          </a:fillRef>
-          <a:effectRef idx="0">
-            <a:schemeClr val="accent1"/>
-          </a:effectRef>
-          <a:fontRef idx="minor">
-            <a:schemeClr val="lt1"/>
-          </a:fontRef>
-        </p:style>
-        <p:txBody>
-          <a:bodyPr rtlCol="0" anchor="ctr"/>
-          <a:lstStyle/>
-          <a:p>
-            <a:pPr algn="ctr"/>
-            <a:r>
-              <a:rPr lang="pt-BR" dirty="0"/>
-              <a:t>Informações pessoais</a:t>
-            </a:r>
-          </a:p>
-        </p:txBody>
-      </p:sp>
-      <p:cxnSp>
-        <p:nvCxnSpPr>
-          <p:cNvPr id="51" name="Conector reto 50">
-            <a:extLst>
-              <a:ext uri="{FF2B5EF4-FFF2-40B4-BE49-F238E27FC236}">
-                <a16:creationId xmlns:a16="http://schemas.microsoft.com/office/drawing/2014/main" id="{ED6FCD91-99A6-4D90-8DC7-58B18D54BFB2}"/>
-              </a:ext>
-            </a:extLst>
-          </p:cNvPr>
-          <p:cNvCxnSpPr>
-            <a:cxnSpLocks/>
-            <a:endCxn id="49" idx="2"/>
-          </p:cNvCxnSpPr>
-          <p:nvPr/>
-        </p:nvCxnSpPr>
-        <p:spPr>
-          <a:xfrm flipV="1">
-            <a:off x="9252777" y="4569264"/>
-            <a:ext cx="0" cy="409136"/>
-          </a:xfrm>
-          <a:prstGeom prst="line">
-            <a:avLst/>
-          </a:prstGeom>
-        </p:spPr>
-        <p:style>
-          <a:lnRef idx="1">
-            <a:schemeClr val="accent1"/>
-          </a:lnRef>
-          <a:fillRef idx="0">
-            <a:schemeClr val="accent1"/>
-          </a:fillRef>
-          <a:effectRef idx="0">
-            <a:schemeClr val="accent1"/>
-          </a:effectRef>
-          <a:fontRef idx="minor">
-            <a:schemeClr val="tx1"/>
-          </a:fontRef>
-        </p:style>
-      </p:cxnSp>
-      <p:sp>
-        <p:nvSpPr>
-          <p:cNvPr id="52" name="Retângulo 51">
-            <a:extLst>
-              <a:ext uri="{FF2B5EF4-FFF2-40B4-BE49-F238E27FC236}">
-                <a16:creationId xmlns:a16="http://schemas.microsoft.com/office/drawing/2014/main" id="{07AEB259-4372-4641-BC34-0433A693FFCD}"/>
-              </a:ext>
-            </a:extLst>
-          </p:cNvPr>
-          <p:cNvSpPr/>
-          <p:nvPr/>
-        </p:nvSpPr>
-        <p:spPr>
-          <a:xfrm>
-            <a:off x="9702796" y="5387537"/>
-            <a:ext cx="793753" cy="572329"/>
-          </a:xfrm>
-          <a:prstGeom prst="rect">
-            <a:avLst/>
-          </a:prstGeom>
-        </p:spPr>
-        <p:style>
-          <a:lnRef idx="2">
-            <a:schemeClr val="accent1">
-              <a:shade val="50000"/>
-            </a:schemeClr>
-          </a:lnRef>
-          <a:fillRef idx="1">
-            <a:schemeClr val="accent1"/>
-          </a:fillRef>
-          <a:effectRef idx="0">
-            <a:schemeClr val="accent1"/>
-          </a:effectRef>
-          <a:fontRef idx="minor">
-            <a:schemeClr val="lt1"/>
-          </a:fontRef>
-        </p:style>
-        <p:txBody>
-          <a:bodyPr rtlCol="0" anchor="ctr"/>
-          <a:lstStyle/>
-          <a:p>
-            <a:pPr algn="ctr"/>
-            <a:r>
-              <a:rPr lang="pt-BR" dirty="0"/>
-              <a:t>Logoff</a:t>
-            </a:r>
-          </a:p>
-        </p:txBody>
-      </p:sp>
-      <p:cxnSp>
-        <p:nvCxnSpPr>
-          <p:cNvPr id="54" name="Conector reto 53">
-            <a:extLst>
-              <a:ext uri="{FF2B5EF4-FFF2-40B4-BE49-F238E27FC236}">
-                <a16:creationId xmlns:a16="http://schemas.microsoft.com/office/drawing/2014/main" id="{4C123408-AD2D-4CE6-8649-95EEDAE8A6A1}"/>
-              </a:ext>
-            </a:extLst>
-          </p:cNvPr>
-          <p:cNvCxnSpPr>
-            <a:cxnSpLocks/>
-            <a:stCxn id="50" idx="0"/>
-          </p:cNvCxnSpPr>
-          <p:nvPr/>
-        </p:nvCxnSpPr>
-        <p:spPr>
-          <a:xfrm flipV="1">
-            <a:off x="8201854" y="4978400"/>
-            <a:ext cx="0" cy="409137"/>
-          </a:xfrm>
-          <a:prstGeom prst="line">
-            <a:avLst/>
-          </a:prstGeom>
-        </p:spPr>
-        <p:style>
-          <a:lnRef idx="1">
-            <a:schemeClr val="accent1"/>
-          </a:lnRef>
-          <a:fillRef idx="0">
-            <a:schemeClr val="accent1"/>
-          </a:fillRef>
-          <a:effectRef idx="0">
-            <a:schemeClr val="accent1"/>
-          </a:effectRef>
-          <a:fontRef idx="minor">
-            <a:schemeClr val="tx1"/>
-          </a:fontRef>
-        </p:style>
-      </p:cxnSp>
-      <p:cxnSp>
-        <p:nvCxnSpPr>
-          <p:cNvPr id="55" name="Conector reto 54">
-            <a:extLst>
-              <a:ext uri="{FF2B5EF4-FFF2-40B4-BE49-F238E27FC236}">
-                <a16:creationId xmlns:a16="http://schemas.microsoft.com/office/drawing/2014/main" id="{ADFE41EE-D853-4273-9A53-7A1B7DA68734}"/>
-              </a:ext>
-            </a:extLst>
-          </p:cNvPr>
-          <p:cNvCxnSpPr>
-            <a:cxnSpLocks/>
-            <a:stCxn id="52" idx="0"/>
-          </p:cNvCxnSpPr>
-          <p:nvPr/>
-        </p:nvCxnSpPr>
-        <p:spPr>
-          <a:xfrm flipV="1">
-            <a:off x="10099673" y="4978400"/>
-            <a:ext cx="0" cy="409137"/>
-          </a:xfrm>
-          <a:prstGeom prst="line">
-            <a:avLst/>
-          </a:prstGeom>
-        </p:spPr>
-        <p:style>
-          <a:lnRef idx="1">
-            <a:schemeClr val="accent1"/>
-          </a:lnRef>
-          <a:fillRef idx="0">
-            <a:schemeClr val="accent1"/>
-          </a:fillRef>
-          <a:effectRef idx="0">
-            <a:schemeClr val="accent1"/>
-          </a:effectRef>
-          <a:fontRef idx="minor">
-            <a:schemeClr val="tx1"/>
-          </a:fontRef>
-        </p:style>
-      </p:cxnSp>
-      <p:cxnSp>
-        <p:nvCxnSpPr>
-          <p:cNvPr id="58" name="Conector reto 57">
-            <a:extLst>
-              <a:ext uri="{FF2B5EF4-FFF2-40B4-BE49-F238E27FC236}">
-                <a16:creationId xmlns:a16="http://schemas.microsoft.com/office/drawing/2014/main" id="{6AC3BF49-058B-4210-B472-C887D674A783}"/>
-              </a:ext>
-            </a:extLst>
-          </p:cNvPr>
-          <p:cNvCxnSpPr>
-            <a:cxnSpLocks/>
-          </p:cNvCxnSpPr>
-          <p:nvPr/>
-        </p:nvCxnSpPr>
-        <p:spPr>
-          <a:xfrm flipH="1">
-            <a:off x="8201854" y="4978400"/>
-            <a:ext cx="1897819" cy="0"/>
-          </a:xfrm>
-          <a:prstGeom prst="line">
-            <a:avLst/>
-          </a:prstGeom>
-        </p:spPr>
-        <p:style>
-          <a:lnRef idx="1">
-            <a:schemeClr val="accent1"/>
-          </a:lnRef>
-          <a:fillRef idx="0">
-            <a:schemeClr val="accent1"/>
-          </a:fillRef>
-          <a:effectRef idx="0">
-            <a:schemeClr val="accent1"/>
-          </a:effectRef>
-          <a:fontRef idx="minor">
-            <a:schemeClr val="tx1"/>
-          </a:fontRef>
-        </p:style>
-      </p:cxnSp>
-      <p:sp>
-        <p:nvSpPr>
-          <p:cNvPr id="59" name="Elipse 58">
-            <a:extLst>
-              <a:ext uri="{FF2B5EF4-FFF2-40B4-BE49-F238E27FC236}">
-                <a16:creationId xmlns:a16="http://schemas.microsoft.com/office/drawing/2014/main" id="{CD6C06CF-D233-42F4-A3EE-7911D5C972BB}"/>
-              </a:ext>
-            </a:extLst>
-          </p:cNvPr>
-          <p:cNvSpPr/>
-          <p:nvPr/>
-        </p:nvSpPr>
-        <p:spPr>
-          <a:xfrm>
-            <a:off x="488403" y="729759"/>
-            <a:ext cx="245129" cy="264152"/>
-          </a:xfrm>
-          <a:prstGeom prst="ellipse">
-            <a:avLst/>
-          </a:prstGeom>
-          <a:solidFill>
-            <a:srgbClr val="FF0000"/>
-          </a:solidFill>
-          <a:ln>
-            <a:solidFill>
-              <a:srgbClr val="FF0000"/>
-            </a:solidFill>
-          </a:ln>
-        </p:spPr>
-        <p:style>
-          <a:lnRef idx="2">
-            <a:schemeClr val="accent1">
-              <a:shade val="50000"/>
-            </a:schemeClr>
-          </a:lnRef>
-          <a:fillRef idx="1">
-            <a:schemeClr val="accent1"/>
-          </a:fillRef>
-          <a:effectRef idx="0">
-            <a:schemeClr val="accent1"/>
-          </a:effectRef>
-          <a:fontRef idx="minor">
-            <a:schemeClr val="lt1"/>
-          </a:fontRef>
-        </p:style>
-        <p:txBody>
-          <a:bodyPr rtlCol="0" anchor="ctr"/>
-          <a:lstStyle/>
-          <a:p>
-            <a:pPr algn="ctr"/>
-            <a:endParaRPr lang="pt-BR"/>
-          </a:p>
-        </p:txBody>
-      </p:sp>
-      <p:sp>
-        <p:nvSpPr>
-          <p:cNvPr id="60" name="CaixaDeTexto 59">
-            <a:extLst>
-              <a:ext uri="{FF2B5EF4-FFF2-40B4-BE49-F238E27FC236}">
-                <a16:creationId xmlns:a16="http://schemas.microsoft.com/office/drawing/2014/main" id="{5C49428B-F702-44DB-91E4-EBA813A6D8E5}"/>
-              </a:ext>
-            </a:extLst>
-          </p:cNvPr>
-          <p:cNvSpPr txBox="1"/>
-          <p:nvPr/>
-        </p:nvSpPr>
-        <p:spPr>
-          <a:xfrm>
-            <a:off x="728870" y="662608"/>
-            <a:ext cx="1038970" cy="369332"/>
-          </a:xfrm>
-          <a:prstGeom prst="rect">
-            <a:avLst/>
-          </a:prstGeom>
-          <a:noFill/>
-        </p:spPr>
-        <p:txBody>
-          <a:bodyPr wrap="square" rtlCol="0">
-            <a:spAutoFit/>
-          </a:bodyPr>
-          <a:lstStyle/>
-          <a:p>
-            <a:r>
-              <a:rPr lang="pt-BR" dirty="0"/>
-              <a:t>Opcional</a:t>
-            </a:r>
-          </a:p>
-        </p:txBody>
-      </p:sp>
-      <p:sp>
-        <p:nvSpPr>
-          <p:cNvPr id="85" name="Retângulo 84">
-            <a:extLst>
-              <a:ext uri="{FF2B5EF4-FFF2-40B4-BE49-F238E27FC236}">
-                <a16:creationId xmlns:a16="http://schemas.microsoft.com/office/drawing/2014/main" id="{88909B5C-A0F4-425F-AF55-D6C0EDD59281}"/>
-              </a:ext>
-            </a:extLst>
-          </p:cNvPr>
-          <p:cNvSpPr/>
-          <p:nvPr/>
-        </p:nvSpPr>
-        <p:spPr>
-          <a:xfrm>
-            <a:off x="6553705" y="2782955"/>
+            <a:off x="4376562" y="2724898"/>
             <a:ext cx="1414042" cy="572329"/>
           </a:xfrm>
           <a:prstGeom prst="rect">
@@ -4791,8 +4568,46 @@
         </p:nvCxnSpPr>
         <p:spPr>
           <a:xfrm flipV="1">
-            <a:off x="7260726" y="2425146"/>
+            <a:off x="5083583" y="2367089"/>
             <a:ext cx="1" cy="357809"/>
+          </a:xfrm>
+          <a:prstGeom prst="line">
+            <a:avLst/>
+          </a:prstGeom>
+        </p:spPr>
+        <p:style>
+          <a:lnRef idx="1">
+            <a:schemeClr val="accent1"/>
+          </a:lnRef>
+          <a:fillRef idx="0">
+            <a:schemeClr val="accent1"/>
+          </a:fillRef>
+          <a:effectRef idx="0">
+            <a:schemeClr val="accent1"/>
+          </a:effectRef>
+          <a:fontRef idx="minor">
+            <a:schemeClr val="tx1"/>
+          </a:fontRef>
+        </p:style>
+      </p:cxnSp>
+      <p:cxnSp>
+        <p:nvCxnSpPr>
+          <p:cNvPr id="27" name="Conector reto 26">
+            <a:extLst>
+              <a:ext uri="{FF2B5EF4-FFF2-40B4-BE49-F238E27FC236}">
+                <a16:creationId xmlns:a16="http://schemas.microsoft.com/office/drawing/2014/main" id="{910E937A-4CEA-4014-BE2E-3AED793D587A}"/>
+              </a:ext>
+            </a:extLst>
+          </p:cNvPr>
+          <p:cNvCxnSpPr>
+            <a:cxnSpLocks/>
+          </p:cNvCxnSpPr>
+          <p:nvPr/>
+        </p:nvCxnSpPr>
+        <p:spPr>
+          <a:xfrm>
+            <a:off x="7075634" y="2367089"/>
+            <a:ext cx="1463657" cy="0"/>
           </a:xfrm>
           <a:prstGeom prst="line">
             <a:avLst/>
@@ -5122,6 +4937,21 @@
 </file>
 
 <file path=customXml/item1.xml><?xml version="1.0" encoding="utf-8"?>
+<p:properties xmlns:p="http://schemas.microsoft.com/office/2006/metadata/properties" xmlns:xsi="http://www.w3.org/2001/XMLSchema-instance" xmlns:pc="http://schemas.microsoft.com/office/infopath/2007/PartnerControls">
+  <documentManagement/>
+</p:properties>
+</file>
+
+<file path=customXml/item2.xml><?xml version="1.0" encoding="utf-8"?>
+<?mso-contentType ?>
+<FormTemplates xmlns="http://schemas.microsoft.com/sharepoint/v3/contenttype/forms">
+  <Display>DocumentLibraryForm</Display>
+  <Edit>DocumentLibraryForm</Edit>
+  <New>DocumentLibraryForm</New>
+</FormTemplates>
+</file>
+
+<file path=customXml/item3.xml><?xml version="1.0" encoding="utf-8"?>
 <ct:contentTypeSchema xmlns:ct="http://schemas.microsoft.com/office/2006/metadata/contentType" xmlns:ma="http://schemas.microsoft.com/office/2006/metadata/properties/metaAttributes" ct:_="" ma:_="" ma:contentTypeName="Document" ma:contentTypeID="0x0101001B66ED83A7FB0A4A823D9A8ADDF6038A" ma:contentTypeVersion="2" ma:contentTypeDescription="Create a new document." ma:contentTypeScope="" ma:versionID="a5656353ef78f071fc0e78bc407025a7">
   <xsd:schema xmlns:xsd="http://www.w3.org/2001/XMLSchema" xmlns:xs="http://www.w3.org/2001/XMLSchema" xmlns:p="http://schemas.microsoft.com/office/2006/metadata/properties" xmlns:ns3="bfd41ba7-8aab-4ac1-92bc-137daf1ebc18" targetNamespace="http://schemas.microsoft.com/office/2006/metadata/properties" ma:root="true" ma:fieldsID="78d195ccf29e927d8d9c7089ec6c4147" ns3:_="">
     <xsd:import namespace="bfd41ba7-8aab-4ac1-92bc-137daf1ebc18"/>
@@ -5253,22 +5083,24 @@
 </ct:contentTypeSchema>
 </file>
 
-<file path=customXml/item2.xml><?xml version="1.0" encoding="utf-8"?>
-<?mso-contentType ?>
-<FormTemplates xmlns="http://schemas.microsoft.com/sharepoint/v3/contenttype/forms">
-  <Display>DocumentLibraryForm</Display>
-  <Edit>DocumentLibraryForm</Edit>
-  <New>DocumentLibraryForm</New>
-</FormTemplates>
+<file path=customXml/itemProps1.xml><?xml version="1.0" encoding="utf-8"?>
+<ds:datastoreItem xmlns:ds="http://schemas.openxmlformats.org/officeDocument/2006/customXml" ds:itemID="{433329DE-FF36-4C90-AB44-F8E7F20357CF}">
+  <ds:schemaRefs>
+    <ds:schemaRef ds:uri="http://schemas.microsoft.com/office/2006/metadata/properties"/>
+    <ds:schemaRef ds:uri="http://schemas.microsoft.com/office/infopath/2007/PartnerControls"/>
+  </ds:schemaRefs>
+</ds:datastoreItem>
 </file>
 
-<file path=customXml/item3.xml><?xml version="1.0" encoding="utf-8"?>
-<p:properties xmlns:p="http://schemas.microsoft.com/office/2006/metadata/properties" xmlns:xsi="http://www.w3.org/2001/XMLSchema-instance" xmlns:pc="http://schemas.microsoft.com/office/infopath/2007/PartnerControls">
-  <documentManagement/>
-</p:properties>
+<file path=customXml/itemProps2.xml><?xml version="1.0" encoding="utf-8"?>
+<ds:datastoreItem xmlns:ds="http://schemas.openxmlformats.org/officeDocument/2006/customXml" ds:itemID="{3F165151-50BC-47FC-8DFE-D3AD1969E309}">
+  <ds:schemaRefs>
+    <ds:schemaRef ds:uri="http://schemas.microsoft.com/sharepoint/v3/contenttype/forms"/>
+  </ds:schemaRefs>
+</ds:datastoreItem>
 </file>
 
-<file path=customXml/itemProps1.xml><?xml version="1.0" encoding="utf-8"?>
+<file path=customXml/itemProps3.xml><?xml version="1.0" encoding="utf-8"?>
 <ds:datastoreItem xmlns:ds="http://schemas.openxmlformats.org/officeDocument/2006/customXml" ds:itemID="{D4A08BA6-6835-413D-8655-180C2561B9FF}">
   <ds:schemaRefs>
     <ds:schemaRef ds:uri="http://schemas.microsoft.com/office/2006/metadata/contentType"/>
@@ -5284,21 +5116,4 @@
     <ds:schemaRef ds:uri="http://schemas.microsoft.com/internal/obd"/>
   </ds:schemaRefs>
 </ds:datastoreItem>
-</file>
-
-<file path=customXml/itemProps2.xml><?xml version="1.0" encoding="utf-8"?>
-<ds:datastoreItem xmlns:ds="http://schemas.openxmlformats.org/officeDocument/2006/customXml" ds:itemID="{3F165151-50BC-47FC-8DFE-D3AD1969E309}">
-  <ds:schemaRefs>
-    <ds:schemaRef ds:uri="http://schemas.microsoft.com/sharepoint/v3/contenttype/forms"/>
-  </ds:schemaRefs>
-</ds:datastoreItem>
-</file>
-
-<file path=customXml/itemProps3.xml><?xml version="1.0" encoding="utf-8"?>
-<ds:datastoreItem xmlns:ds="http://schemas.openxmlformats.org/officeDocument/2006/customXml" ds:itemID="{433329DE-FF36-4C90-AB44-F8E7F20357CF}">
-  <ds:schemaRefs>
-    <ds:schemaRef ds:uri="http://schemas.microsoft.com/office/2006/metadata/properties"/>
-    <ds:schemaRef ds:uri="http://schemas.microsoft.com/office/infopath/2007/PartnerControls"/>
-  </ds:schemaRefs>
-</ds:datastoreItem>
 </file>